--- a/Thành phần/anh lien.pptx
+++ b/Thành phần/anh lien.pptx
@@ -104,6 +104,11 @@
       </a:defRPr>
     </a:lvl9pPr>
   </p:defaultTextStyle>
+  <p:extLst>
+    <p:ext uri="{EFAFB233-063F-42B5-8137-9DF3F51BA10A}">
+      <p15:sldGuideLst xmlns:p15="http://schemas.microsoft.com/office/powerpoint/2012/main"/>
+    </p:ext>
+  </p:extLst>
 </p:presentation>
 </file>
 
@@ -147,7 +152,7 @@
           <a:p>
             <a:fld id="{46B9662C-1EBB-4992-979E-837EDD8141B8}" type="datetimeFigureOut">
               <a:rPr lang="en-US" smtClean="0"/>
-              <a:t>12/12/2020</a:t>
+              <a:t>12/20/2020</a:t>
             </a:fld>
             <a:endParaRPr lang="en-US"/>
           </a:p>
@@ -300,7 +305,7 @@
           <a:p>
             <a:fld id="{46B9662C-1EBB-4992-979E-837EDD8141B8}" type="datetimeFigureOut">
               <a:rPr lang="en-US" smtClean="0"/>
-              <a:t>12/12/2020</a:t>
+              <a:t>12/20/2020</a:t>
             </a:fld>
             <a:endParaRPr lang="en-US"/>
           </a:p>
@@ -532,7 +537,7 @@
           <a:p>
             <a:fld id="{46B9662C-1EBB-4992-979E-837EDD8141B8}" type="datetimeFigureOut">
               <a:rPr lang="en-US" smtClean="0"/>
-              <a:t>12/12/2020</a:t>
+              <a:t>12/20/2020</a:t>
             </a:fld>
             <a:endParaRPr lang="en-US"/>
           </a:p>
@@ -835,7 +840,7 @@
           <a:p>
             <a:fld id="{46B9662C-1EBB-4992-979E-837EDD8141B8}" type="datetimeFigureOut">
               <a:rPr lang="en-US" smtClean="0"/>
-              <a:t>12/12/2020</a:t>
+              <a:t>12/20/2020</a:t>
             </a:fld>
             <a:endParaRPr lang="en-US"/>
           </a:p>
@@ -1045,7 +1050,7 @@
           <a:p>
             <a:fld id="{46B9662C-1EBB-4992-979E-837EDD8141B8}" type="datetimeFigureOut">
               <a:rPr lang="en-US" smtClean="0"/>
-              <a:t>12/12/2020</a:t>
+              <a:t>12/20/2020</a:t>
             </a:fld>
             <a:endParaRPr lang="en-US"/>
           </a:p>
@@ -1322,7 +1327,7 @@
           <a:p>
             <a:fld id="{46B9662C-1EBB-4992-979E-837EDD8141B8}" type="datetimeFigureOut">
               <a:rPr lang="en-US" smtClean="0"/>
-              <a:t>12/12/2020</a:t>
+              <a:t>12/20/2020</a:t>
             </a:fld>
             <a:endParaRPr lang="en-US"/>
           </a:p>
@@ -1431,10 +1436,10 @@
       </p:grpSpPr>
       <p:sp>
         <p:nvSpPr>
-          <p:cNvPr id="17" name="9Slide.vn - 2019">
-            <a:extLst>
-              <a:ext uri="{FF2B5EF4-FFF2-40B4-BE49-F238E27FC236}">
-                <a16:creationId xmlns:a16="http://schemas.microsoft.com/office/drawing/2014/main" id="{03BB5314-D322-47ED-B19D-D972A9614795}"/>
+          <p:cNvPr id="18" name="9Slide.vn - 2019">
+            <a:extLst>
+              <a:ext uri="{FF2B5EF4-FFF2-40B4-BE49-F238E27FC236}">
+                <a16:creationId xmlns:a16="http://schemas.microsoft.com/office/drawing/2014/main" id="{2E609D46-D951-4894-807E-6D9543D55FF3}"/>
               </a:ext>
             </a:extLst>
           </p:cNvPr>
@@ -1615,7 +1620,7 @@
           <a:p>
             <a:fld id="{46B9662C-1EBB-4992-979E-837EDD8141B8}" type="datetimeFigureOut">
               <a:rPr lang="en-US" smtClean="0"/>
-              <a:t>12/12/2020</a:t>
+              <a:t>12/20/2020</a:t>
             </a:fld>
             <a:endParaRPr lang="en-US"/>
           </a:p>
@@ -3370,6 +3375,44 @@
           </a:prstGeom>
         </p:spPr>
       </p:pic>
+      <p:sp>
+        <p:nvSpPr>
+          <p:cNvPr id="2" name="D7190A">
+            <a:extLst>
+              <a:ext uri="{FF2B5EF4-FFF2-40B4-BE49-F238E27FC236}">
+                <a16:creationId xmlns:a16="http://schemas.microsoft.com/office/drawing/2014/main" id="{56C8BF28-93BB-4F81-8CED-8FB3686883D5}"/>
+              </a:ext>
+            </a:extLst>
+          </p:cNvPr>
+          <p:cNvSpPr txBox="1"/>
+          <p:nvPr/>
+        </p:nvSpPr>
+        <p:spPr>
+          <a:xfrm>
+            <a:off x="0" y="-850900"/>
+            <a:ext cx="6339877" cy="261610"/>
+          </a:xfrm>
+          <a:prstGeom prst="rect">
+            <a:avLst/>
+          </a:prstGeom>
+          <a:noFill/>
+        </p:spPr>
+        <p:txBody>
+          <a:bodyPr vert="horz" wrap="none" lIns="0" tIns="0" rIns="0" bIns="0" rtlCol="0">
+            <a:spAutoFit/>
+          </a:bodyPr>
+          <a:lstStyle/>
+          <a:p>
+            <a:pPr algn="l"/>
+            <a:r>
+              <a:rPr lang="en-US" sz="1700">
+                <a:noFill/>
+              </a:rPr>
+              <a:t>D:\Code\MindX\web advandced\project\music-web\Thành phần\</a:t>
+            </a:r>
+          </a:p>
+        </p:txBody>
+      </p:sp>
     </p:spTree>
     <p:extLst>
       <p:ext uri="{BB962C8B-B14F-4D97-AF65-F5344CB8AC3E}">

--- a/Thành phần/anh lien.pptx
+++ b/Thành phần/anh lien.pptx
@@ -1436,10 +1436,10 @@
       </p:grpSpPr>
       <p:sp>
         <p:nvSpPr>
-          <p:cNvPr id="18" name="9Slide.vn - 2019">
-            <a:extLst>
-              <a:ext uri="{FF2B5EF4-FFF2-40B4-BE49-F238E27FC236}">
-                <a16:creationId xmlns:a16="http://schemas.microsoft.com/office/drawing/2014/main" id="{2E609D46-D951-4894-807E-6D9543D55FF3}"/>
+          <p:cNvPr id="16" name="9Slide.vn - 2019">
+            <a:extLst>
+              <a:ext uri="{FF2B5EF4-FFF2-40B4-BE49-F238E27FC236}">
+                <a16:creationId xmlns:a16="http://schemas.microsoft.com/office/drawing/2014/main" id="{7C8FAEAD-4524-4F1B-9703-908594156D20}"/>
               </a:ext>
             </a:extLst>
           </p:cNvPr>
@@ -3377,10 +3377,10 @@
       </p:pic>
       <p:sp>
         <p:nvSpPr>
-          <p:cNvPr id="2" name="D7190A">
-            <a:extLst>
-              <a:ext uri="{FF2B5EF4-FFF2-40B4-BE49-F238E27FC236}">
-                <a16:creationId xmlns:a16="http://schemas.microsoft.com/office/drawing/2014/main" id="{56C8BF28-93BB-4F81-8CED-8FB3686883D5}"/>
+          <p:cNvPr id="3" name="D7190A">
+            <a:extLst>
+              <a:ext uri="{FF2B5EF4-FFF2-40B4-BE49-F238E27FC236}">
+                <a16:creationId xmlns:a16="http://schemas.microsoft.com/office/drawing/2014/main" id="{CB5B1773-8946-436E-AB1F-9DCE4CD6B729}"/>
               </a:ext>
             </a:extLst>
           </p:cNvPr>

--- a/Thành phần/anh lien.pptx
+++ b/Thành phần/anh lien.pptx
@@ -1436,10 +1436,10 @@
       </p:grpSpPr>
       <p:sp>
         <p:nvSpPr>
-          <p:cNvPr id="16" name="9Slide.vn - 2019">
-            <a:extLst>
-              <a:ext uri="{FF2B5EF4-FFF2-40B4-BE49-F238E27FC236}">
-                <a16:creationId xmlns:a16="http://schemas.microsoft.com/office/drawing/2014/main" id="{7C8FAEAD-4524-4F1B-9703-908594156D20}"/>
+          <p:cNvPr id="18" name="9Slide.vn - 2019">
+            <a:extLst>
+              <a:ext uri="{FF2B5EF4-FFF2-40B4-BE49-F238E27FC236}">
+                <a16:creationId xmlns:a16="http://schemas.microsoft.com/office/drawing/2014/main" id="{D6165729-CFBB-48A4-BE04-0AFBE6099479}"/>
               </a:ext>
             </a:extLst>
           </p:cNvPr>
